--- a/SDS_Geolocation.pptx
+++ b/SDS_Geolocation.pptx
@@ -5,7 +5,7 @@
     <p:sldMasterId id="2147483648" r:id="rId1"/>
   </p:sldMasterIdLst>
   <p:notesMasterIdLst>
-    <p:notesMasterId r:id="rId22"/>
+    <p:notesMasterId r:id="rId23"/>
   </p:notesMasterIdLst>
   <p:sldIdLst>
     <p:sldId id="256" r:id="rId2"/>
@@ -26,8 +26,9 @@
     <p:sldId id="352" r:id="rId17"/>
     <p:sldId id="351" r:id="rId18"/>
     <p:sldId id="353" r:id="rId19"/>
-    <p:sldId id="350" r:id="rId20"/>
-    <p:sldId id="340" r:id="rId21"/>
+    <p:sldId id="354" r:id="rId20"/>
+    <p:sldId id="350" r:id="rId21"/>
+    <p:sldId id="340" r:id="rId22"/>
   </p:sldIdLst>
   <p:sldSz cx="9144000" cy="6858000" type="overhead"/>
   <p:notesSz cx="6858000" cy="9144000"/>
@@ -6303,86 +6304,52 @@
           <a:p>
             <a:r>
               <a:rPr lang="en-US" dirty="0" smtClean="0"/>
-              <a:t>Where to go from here?</a:t>
+              <a:t>Appending with Python</a:t>
             </a:r>
             <a:endParaRPr lang="en-US" dirty="0"/>
           </a:p>
         </p:txBody>
       </p:sp>
-      <p:sp>
-        <p:nvSpPr>
-          <p:cNvPr id="3" name="Content Placeholder 2"/>
-          <p:cNvSpPr>
-            <a:spLocks noGrp="1"/>
-          </p:cNvSpPr>
-          <p:nvPr>
-            <p:ph idx="1"/>
-          </p:nvPr>
-        </p:nvSpPr>
-        <p:spPr/>
-        <p:txBody>
-          <a:bodyPr/>
-          <a:lstStyle/>
-          <a:p>
-            <a:r>
-              <a:rPr lang="en-US" dirty="0" smtClean="0"/>
-              <a:t>Build a Twitter bot!</a:t>
-            </a:r>
-          </a:p>
-          <a:p>
-            <a:pPr lvl="1"/>
-            <a:r>
-              <a:rPr lang="en-US" dirty="0" smtClean="0"/>
-              <a:t>Retweet only Data Science Posts</a:t>
-            </a:r>
-          </a:p>
-          <a:p>
-            <a:pPr lvl="1"/>
-            <a:r>
-              <a:rPr lang="en-US" dirty="0" smtClean="0"/>
-              <a:t>Apply feedback of favorites and retweets to the model</a:t>
-            </a:r>
-          </a:p>
-          <a:p>
-            <a:endParaRPr lang="en-US" dirty="0"/>
-          </a:p>
-          <a:p>
-            <a:r>
-              <a:rPr lang="en-US" dirty="0" smtClean="0"/>
-              <a:t>Apply to a different application</a:t>
-            </a:r>
-          </a:p>
-          <a:p>
-            <a:pPr lvl="1"/>
-            <a:r>
-              <a:rPr lang="en-US" dirty="0" smtClean="0"/>
-              <a:t>Classify your support tickets, </a:t>
-            </a:r>
-            <a:r>
-              <a:rPr lang="en-US" dirty="0" err="1" smtClean="0"/>
-              <a:t>etc</a:t>
-            </a:r>
-            <a:endParaRPr lang="en-US" dirty="0" smtClean="0"/>
-          </a:p>
-        </p:txBody>
-      </p:sp>
+      <p:pic>
+        <p:nvPicPr>
+          <p:cNvPr id="4" name="Picture 3"/>
+          <p:cNvPicPr>
+            <a:picLocks noChangeAspect="1"/>
+          </p:cNvPicPr>
+          <p:nvPr/>
+        </p:nvPicPr>
+        <p:blipFill>
+          <a:blip r:embed="rId2">
+            <a:extLst>
+              <a:ext uri="{28A0092B-C50C-407E-A947-70E740481C1C}">
+                <a14:useLocalDpi xmlns:a14="http://schemas.microsoft.com/office/drawing/2010/main" val="0"/>
+              </a:ext>
+            </a:extLst>
+          </a:blip>
+          <a:stretch>
+            <a:fillRect/>
+          </a:stretch>
+        </p:blipFill>
+        <p:spPr>
+          <a:xfrm>
+            <a:off x="1082981" y="2547934"/>
+            <a:ext cx="6978038" cy="2356974"/>
+          </a:xfrm>
+          <a:prstGeom prst="rect">
+            <a:avLst/>
+          </a:prstGeom>
+        </p:spPr>
+      </p:pic>
     </p:spTree>
     <p:extLst>
       <p:ext uri="{BB962C8B-B14F-4D97-AF65-F5344CB8AC3E}">
-        <p14:creationId xmlns:p14="http://schemas.microsoft.com/office/powerpoint/2010/main" val="734983125"/>
+        <p14:creationId xmlns:p14="http://schemas.microsoft.com/office/powerpoint/2010/main" val="1678857470"/>
       </p:ext>
     </p:extLst>
   </p:cSld>
   <p:clrMapOvr>
     <a:masterClrMapping/>
   </p:clrMapOvr>
-  <p:timing>
-    <p:tnLst>
-      <p:par>
-        <p:cTn id="1" dur="indefinite" restart="never" nodeType="tmRoot"/>
-      </p:par>
-    </p:tnLst>
-  </p:timing>
 </p:sld>
 </file>
 
@@ -6634,6 +6601,109 @@
           <a:p>
             <a:r>
               <a:rPr lang="en-US" dirty="0" smtClean="0"/>
+              <a:t>Go try the repo yourself!</a:t>
+            </a:r>
+          </a:p>
+          <a:p>
+            <a:endParaRPr lang="en-US" dirty="0" smtClean="0"/>
+          </a:p>
+          <a:p>
+            <a:r>
+              <a:rPr lang="en-US" dirty="0" smtClean="0"/>
+              <a:t>Join your data to bridgethegap repo!</a:t>
+            </a:r>
+          </a:p>
+          <a:p>
+            <a:pPr lvl="1"/>
+            <a:r>
+              <a:rPr lang="en-US" dirty="0" smtClean="0"/>
+              <a:t>Tell us about it and we’ll add it for everyone</a:t>
+            </a:r>
+            <a:endParaRPr lang="en-US" dirty="0" smtClean="0"/>
+          </a:p>
+          <a:p>
+            <a:pPr lvl="1"/>
+            <a:endParaRPr lang="en-US" dirty="0"/>
+          </a:p>
+        </p:txBody>
+      </p:sp>
+    </p:spTree>
+    <p:extLst>
+      <p:ext uri="{BB962C8B-B14F-4D97-AF65-F5344CB8AC3E}">
+        <p14:creationId xmlns:p14="http://schemas.microsoft.com/office/powerpoint/2010/main" val="734983125"/>
+      </p:ext>
+    </p:extLst>
+  </p:cSld>
+  <p:clrMapOvr>
+    <a:masterClrMapping/>
+  </p:clrMapOvr>
+  <p:timing>
+    <p:tnLst>
+      <p:par>
+        <p:cTn id="1" dur="indefinite" restart="never" nodeType="tmRoot"/>
+      </p:par>
+    </p:tnLst>
+  </p:timing>
+</p:sld>
+</file>
+
+<file path=ppt/slides/slide21.xml><?xml version="1.0" encoding="utf-8"?>
+<p:sld xmlns:a="http://schemas.openxmlformats.org/drawingml/2006/main" xmlns:r="http://schemas.openxmlformats.org/officeDocument/2006/relationships" xmlns:p="http://schemas.openxmlformats.org/presentationml/2006/main">
+  <p:cSld>
+    <p:spTree>
+      <p:nvGrpSpPr>
+        <p:cNvPr id="1" name=""/>
+        <p:cNvGrpSpPr/>
+        <p:nvPr/>
+      </p:nvGrpSpPr>
+      <p:grpSpPr>
+        <a:xfrm>
+          <a:off x="0" y="0"/>
+          <a:ext cx="0" cy="0"/>
+          <a:chOff x="0" y="0"/>
+          <a:chExt cx="0" cy="0"/>
+        </a:xfrm>
+      </p:grpSpPr>
+      <p:sp>
+        <p:nvSpPr>
+          <p:cNvPr id="2" name="Title 1"/>
+          <p:cNvSpPr>
+            <a:spLocks noGrp="1"/>
+          </p:cNvSpPr>
+          <p:nvPr>
+            <p:ph type="title"/>
+          </p:nvPr>
+        </p:nvSpPr>
+        <p:spPr/>
+        <p:txBody>
+          <a:bodyPr/>
+          <a:lstStyle/>
+          <a:p>
+            <a:r>
+              <a:rPr lang="en-US" dirty="0" smtClean="0"/>
+              <a:t>Where to go from here?</a:t>
+            </a:r>
+            <a:endParaRPr lang="en-US" dirty="0"/>
+          </a:p>
+        </p:txBody>
+      </p:sp>
+      <p:sp>
+        <p:nvSpPr>
+          <p:cNvPr id="3" name="Content Placeholder 2"/>
+          <p:cNvSpPr>
+            <a:spLocks noGrp="1"/>
+          </p:cNvSpPr>
+          <p:nvPr>
+            <p:ph idx="1"/>
+          </p:nvPr>
+        </p:nvSpPr>
+        <p:spPr/>
+        <p:txBody>
+          <a:bodyPr/>
+          <a:lstStyle/>
+          <a:p>
+            <a:r>
+              <a:rPr lang="en-US" dirty="0" smtClean="0"/>
               <a:t>Give it a try yourself!</a:t>
             </a:r>
             <a:r>
@@ -6641,52 +6711,42 @@
               <a:t> </a:t>
             </a:r>
             <a:r>
-              <a:rPr lang="en-US" dirty="0">
+              <a:rPr lang="en-US" sz="2400" dirty="0">
                 <a:hlinkClick r:id="rId2"/>
               </a:rPr>
               <a:t>https://</a:t>
             </a:r>
             <a:r>
-              <a:rPr lang="en-US" dirty="0" smtClean="0">
+              <a:rPr lang="en-US" sz="2400" dirty="0" smtClean="0">
                 <a:hlinkClick r:id="rId2"/>
               </a:rPr>
-              <a:t>github.com/dreyco676/nlp_spark</a:t>
-            </a:r>
+              <a:t>github.com/SocialDataSci/School_Geolookup</a:t>
+            </a:r>
+            <a:endParaRPr lang="en-US" sz="2400" dirty="0"/>
+          </a:p>
+          <a:p>
             <a:endParaRPr lang="en-US" dirty="0" smtClean="0"/>
           </a:p>
           <a:p>
+            <a:pPr lvl="1"/>
+            <a:r>
+              <a:rPr lang="en-US" dirty="0" smtClean="0"/>
+              <a:t>Need Anaconda 2.4.1 (Python 3.4)</a:t>
+            </a:r>
+          </a:p>
+          <a:p>
+            <a:pPr lvl="2"/>
+            <a:r>
+              <a:rPr lang="en-US" dirty="0" err="1" smtClean="0"/>
+              <a:t>googlemaps</a:t>
+            </a:r>
             <a:endParaRPr lang="en-US" dirty="0" smtClean="0"/>
           </a:p>
           <a:p>
-            <a:pPr lvl="1"/>
-            <a:r>
-              <a:rPr lang="en-US" dirty="0" smtClean="0"/>
-              <a:t>Need Spark 1.6 Installed</a:t>
-            </a:r>
-          </a:p>
-          <a:p>
-            <a:pPr lvl="1"/>
-            <a:endParaRPr lang="en-US" dirty="0" smtClean="0"/>
-          </a:p>
-          <a:p>
-            <a:pPr lvl="1"/>
-            <a:r>
-              <a:rPr lang="en-US" dirty="0" smtClean="0"/>
-              <a:t>Need Anaconda 2.4.1 (Python 3.4)</a:t>
-            </a:r>
-          </a:p>
-          <a:p>
             <a:pPr lvl="2"/>
             <a:r>
-              <a:rPr lang="en-US" dirty="0" smtClean="0"/>
-              <a:t>NLTK &amp; NLTK Data</a:t>
-            </a:r>
-          </a:p>
-          <a:p>
-            <a:pPr lvl="2"/>
-            <a:r>
               <a:rPr lang="en-US" dirty="0" err="1" smtClean="0"/>
-              <a:t>Langid</a:t>
+              <a:t>usaddress</a:t>
             </a:r>
             <a:endParaRPr lang="en-US" dirty="0" smtClean="0"/>
           </a:p>
